--- a/The Unix Philosophy - Attributed - 2019-09-11.pptx
+++ b/The Unix Philosophy - Attributed - 2019-09-11.pptx
@@ -212,7 +212,7 @@
           <a:p>
             <a:fld id="{A5F5E26E-66A7-4B62-B7F0-7F248595D5F5}" type="datetimeFigureOut">
               <a:rPr lang="en-US" smtClean="0"/>
-              <a:t>9/11/2019</a:t>
+              <a:t>10/1/2019</a:t>
             </a:fld>
             <a:endParaRPr lang="en-US"/>
           </a:p>
@@ -2746,7 +2746,7 @@
             <a:fld id="{B61BEF0D-F0BB-DE4B-95CE-6DB70DBA9567}" type="datetimeFigureOut">
               <a:rPr lang="en-US" dirty="0"/>
               <a:pPr/>
-              <a:t>9/11/2019</a:t>
+              <a:t>10/1/2019</a:t>
             </a:fld>
             <a:endParaRPr lang="en-US" dirty="0"/>
           </a:p>
@@ -2994,7 +2994,7 @@
             <a:fld id="{B61BEF0D-F0BB-DE4B-95CE-6DB70DBA9567}" type="datetimeFigureOut">
               <a:rPr lang="en-US" dirty="0"/>
               <a:pPr/>
-              <a:t>9/11/2019</a:t>
+              <a:t>10/1/2019</a:t>
             </a:fld>
             <a:endParaRPr lang="en-US" dirty="0"/>
           </a:p>
@@ -3305,7 +3305,7 @@
             <a:fld id="{B61BEF0D-F0BB-DE4B-95CE-6DB70DBA9567}" type="datetimeFigureOut">
               <a:rPr lang="en-US" dirty="0"/>
               <a:pPr/>
-              <a:t>9/11/2019</a:t>
+              <a:t>10/1/2019</a:t>
             </a:fld>
             <a:endParaRPr lang="en-US" dirty="0"/>
           </a:p>
@@ -3643,7 +3643,7 @@
             <a:fld id="{B61BEF0D-F0BB-DE4B-95CE-6DB70DBA9567}" type="datetimeFigureOut">
               <a:rPr lang="en-US" dirty="0"/>
               <a:pPr/>
-              <a:t>9/11/2019</a:t>
+              <a:t>10/1/2019</a:t>
             </a:fld>
             <a:endParaRPr lang="en-US" dirty="0"/>
           </a:p>
@@ -3954,7 +3954,7 @@
             <a:fld id="{B61BEF0D-F0BB-DE4B-95CE-6DB70DBA9567}" type="datetimeFigureOut">
               <a:rPr lang="en-US" dirty="0"/>
               <a:pPr/>
-              <a:t>9/11/2019</a:t>
+              <a:t>10/1/2019</a:t>
             </a:fld>
             <a:endParaRPr lang="en-US" dirty="0"/>
           </a:p>
@@ -4344,7 +4344,7 @@
             <a:fld id="{B61BEF0D-F0BB-DE4B-95CE-6DB70DBA9567}" type="datetimeFigureOut">
               <a:rPr lang="en-US" dirty="0"/>
               <a:pPr/>
-              <a:t>9/11/2019</a:t>
+              <a:t>10/1/2019</a:t>
             </a:fld>
             <a:endParaRPr lang="en-US" dirty="0"/>
           </a:p>
@@ -4510,7 +4510,7 @@
           <a:p>
             <a:fld id="{55C6B4A9-1611-4792-9094-5F34BCA07E0B}" type="datetimeFigureOut">
               <a:rPr lang="en-US" dirty="0"/>
-              <a:t>9/11/2019</a:t>
+              <a:t>10/1/2019</a:t>
             </a:fld>
             <a:endParaRPr lang="en-US" dirty="0"/>
           </a:p>
@@ -4686,7 +4686,7 @@
             <a:fld id="{B61BEF0D-F0BB-DE4B-95CE-6DB70DBA9567}" type="datetimeFigureOut">
               <a:rPr lang="en-US" dirty="0"/>
               <a:pPr/>
-              <a:t>9/11/2019</a:t>
+              <a:t>10/1/2019</a:t>
             </a:fld>
             <a:endParaRPr lang="en-US" dirty="0"/>
           </a:p>
@@ -4859,7 +4859,7 @@
             <a:fld id="{B61BEF0D-F0BB-DE4B-95CE-6DB70DBA9567}" type="datetimeFigureOut">
               <a:rPr lang="en-US" dirty="0"/>
               <a:pPr/>
-              <a:t>9/11/2019</a:t>
+              <a:t>10/1/2019</a:t>
             </a:fld>
             <a:endParaRPr lang="en-US" dirty="0"/>
           </a:p>
@@ -5103,7 +5103,7 @@
             <a:fld id="{B61BEF0D-F0BB-DE4B-95CE-6DB70DBA9567}" type="datetimeFigureOut">
               <a:rPr lang="en-US" dirty="0"/>
               <a:pPr/>
-              <a:t>9/11/2019</a:t>
+              <a:t>10/1/2019</a:t>
             </a:fld>
             <a:endParaRPr lang="en-US" dirty="0"/>
           </a:p>
@@ -5331,7 +5331,7 @@
           <a:p>
             <a:fld id="{EB712588-04B1-427B-82EE-E8DB90309F08}" type="datetimeFigureOut">
               <a:rPr lang="en-US" dirty="0"/>
-              <a:t>9/11/2019</a:t>
+              <a:t>10/1/2019</a:t>
             </a:fld>
             <a:endParaRPr lang="en-US" dirty="0"/>
           </a:p>
@@ -5701,7 +5701,7 @@
             <a:fld id="{B61BEF0D-F0BB-DE4B-95CE-6DB70DBA9567}" type="datetimeFigureOut">
               <a:rPr lang="en-US" dirty="0"/>
               <a:pPr/>
-              <a:t>9/11/2019</a:t>
+              <a:t>10/1/2019</a:t>
             </a:fld>
             <a:endParaRPr lang="en-US" dirty="0"/>
           </a:p>
@@ -5821,7 +5821,7 @@
             <a:fld id="{B61BEF0D-F0BB-DE4B-95CE-6DB70DBA9567}" type="datetimeFigureOut">
               <a:rPr lang="en-US" dirty="0"/>
               <a:pPr/>
-              <a:t>9/11/2019</a:t>
+              <a:t>10/1/2019</a:t>
             </a:fld>
             <a:endParaRPr lang="en-US" dirty="0"/>
           </a:p>
@@ -5913,7 +5913,7 @@
             <a:fld id="{B61BEF0D-F0BB-DE4B-95CE-6DB70DBA9567}" type="datetimeFigureOut">
               <a:rPr lang="en-US" dirty="0"/>
               <a:pPr/>
-              <a:t>9/11/2019</a:t>
+              <a:t>10/1/2019</a:t>
             </a:fld>
             <a:endParaRPr lang="en-US" dirty="0"/>
           </a:p>
@@ -6164,7 +6164,7 @@
           <a:p>
             <a:fld id="{42A54C80-263E-416B-A8E0-580EDEADCBDC}" type="datetimeFigureOut">
               <a:rPr lang="en-US" dirty="0"/>
-              <a:t>9/11/2019</a:t>
+              <a:t>10/1/2019</a:t>
             </a:fld>
             <a:endParaRPr lang="en-US" dirty="0"/>
           </a:p>
@@ -6423,7 +6423,7 @@
             <a:fld id="{B61BEF0D-F0BB-DE4B-95CE-6DB70DBA9567}" type="datetimeFigureOut">
               <a:rPr lang="en-US" dirty="0"/>
               <a:pPr/>
-              <a:t>9/11/2019</a:t>
+              <a:t>10/1/2019</a:t>
             </a:fld>
             <a:endParaRPr lang="en-US" dirty="0"/>
           </a:p>
@@ -7163,7 +7163,7 @@
             <a:fld id="{B61BEF0D-F0BB-DE4B-95CE-6DB70DBA9567}" type="datetimeFigureOut">
               <a:rPr lang="en-US" dirty="0"/>
               <a:pPr/>
-              <a:t>9/11/2019</a:t>
+              <a:t>10/1/2019</a:t>
             </a:fld>
             <a:endParaRPr lang="en-US" dirty="0"/>
           </a:p>
@@ -8643,6 +8643,40 @@
           </a:p>
         </p:txBody>
       </p:sp>
+      <p:sp>
+        <p:nvSpPr>
+          <p:cNvPr id="11" name="Rectangle 10">
+            <a:extLst>
+              <a:ext uri="{FF2B5EF4-FFF2-40B4-BE49-F238E27FC236}">
+                <a16:creationId xmlns:a16="http://schemas.microsoft.com/office/drawing/2014/main" id="{3DC3B9E7-6970-454E-B9BD-8B8BEE039657}"/>
+              </a:ext>
+            </a:extLst>
+          </p:cNvPr>
+          <p:cNvSpPr/>
+          <p:nvPr/>
+        </p:nvSpPr>
+        <p:spPr>
+          <a:xfrm>
+            <a:off x="0" y="6346845"/>
+            <a:ext cx="4531983" cy="507831"/>
+          </a:xfrm>
+          <a:prstGeom prst="rect">
+            <a:avLst/>
+          </a:prstGeom>
+        </p:spPr>
+        <p:txBody>
+          <a:bodyPr wrap="square">
+            <a:spAutoFit/>
+          </a:bodyPr>
+          <a:lstStyle/>
+          <a:p>
+            <a:r>
+              <a:rPr lang="en-US" sz="900" dirty="0"/>
+              <a:t>The Huntington National Bank is Member FDIC. ®, Huntington® and  Huntington. Welcome.® are federally registered service marks of Huntington Bancshares Incorporated.  © 2019 Huntington Bancshares Incorporated.</a:t>
+            </a:r>
+          </a:p>
+        </p:txBody>
+      </p:sp>
     </p:spTree>
     <p:extLst>
       <p:ext uri="{BB962C8B-B14F-4D97-AF65-F5344CB8AC3E}">
@@ -14660,12 +14694,6 @@
 </file>
 
 <file path=customXml/item1.xml><?xml version="1.0" encoding="utf-8"?>
-<p:properties xmlns:p="http://schemas.microsoft.com/office/2006/metadata/properties" xmlns:xsi="http://www.w3.org/2001/XMLSchema-instance" xmlns:pc="http://schemas.microsoft.com/office/infopath/2007/PartnerControls">
-  <documentManagement/>
-</p:properties>
-</file>
-
-<file path=customXml/item2.xml><?xml version="1.0" encoding="utf-8"?>
 <ct:contentTypeSchema xmlns:ct="http://schemas.microsoft.com/office/2006/metadata/contentType" xmlns:ma="http://schemas.microsoft.com/office/2006/metadata/properties/metaAttributes" ct:_="" ma:_="" ma:contentTypeName="Document" ma:contentTypeID="0x010100999C4FC1E27B604AB083C5A2EF450DFC" ma:contentTypeVersion="0" ma:contentTypeDescription="Create a new document." ma:contentTypeScope="" ma:versionID="33e62442aba9e8183c430b9529e05696">
   <xsd:schema xmlns:xsd="http://www.w3.org/2001/XMLSchema" xmlns:xs="http://www.w3.org/2001/XMLSchema" xmlns:p="http://schemas.microsoft.com/office/2006/metadata/properties" targetNamespace="http://schemas.microsoft.com/office/2006/metadata/properties" ma:root="true" ma:fieldsID="1b05d82d297216baf5b26c55225140df">
     <xsd:element name="properties">
@@ -14779,6 +14807,12 @@
 </ct:contentTypeSchema>
 </file>
 
+<file path=customXml/item2.xml><?xml version="1.0" encoding="utf-8"?>
+<p:properties xmlns:p="http://schemas.microsoft.com/office/2006/metadata/properties" xmlns:xsi="http://www.w3.org/2001/XMLSchema-instance" xmlns:pc="http://schemas.microsoft.com/office/infopath/2007/PartnerControls">
+  <documentManagement/>
+</p:properties>
+</file>
+
 <file path=customXml/item3.xml><?xml version="1.0" encoding="utf-8"?>
 <?mso-contentType ?>
 <FormTemplates xmlns="http://schemas.microsoft.com/sharepoint/v3/contenttype/forms">
@@ -14789,21 +14823,6 @@
 </file>
 
 <file path=customXml/itemProps1.xml><?xml version="1.0" encoding="utf-8"?>
-<ds:datastoreItem xmlns:ds="http://schemas.openxmlformats.org/officeDocument/2006/customXml" ds:itemID="{1216D02C-A6EB-45B3-A6B2-3D1DF222F307}">
-  <ds:schemaRefs>
-    <ds:schemaRef ds:uri="http://purl.org/dc/terms/"/>
-    <ds:schemaRef ds:uri="http://schemas.openxmlformats.org/package/2006/metadata/core-properties"/>
-    <ds:schemaRef ds:uri="http://schemas.microsoft.com/office/2006/documentManagement/types"/>
-    <ds:schemaRef ds:uri="http://schemas.microsoft.com/office/infopath/2007/PartnerControls"/>
-    <ds:schemaRef ds:uri="http://purl.org/dc/elements/1.1/"/>
-    <ds:schemaRef ds:uri="http://schemas.microsoft.com/office/2006/metadata/properties"/>
-    <ds:schemaRef ds:uri="http://www.w3.org/XML/1998/namespace"/>
-    <ds:schemaRef ds:uri="http://purl.org/dc/dcmitype/"/>
-  </ds:schemaRefs>
-</ds:datastoreItem>
-</file>
-
-<file path=customXml/itemProps2.xml><?xml version="1.0" encoding="utf-8"?>
 <ds:datastoreItem xmlns:ds="http://schemas.openxmlformats.org/officeDocument/2006/customXml" ds:itemID="{A8ED9177-9849-439D-B4A9-EBD14F4EE18D}">
   <ds:schemaRefs>
     <ds:schemaRef ds:uri="http://schemas.microsoft.com/office/2006/metadata/contentType"/>
@@ -14819,6 +14838,21 @@
 </ds:datastoreItem>
 </file>
 
+<file path=customXml/itemProps2.xml><?xml version="1.0" encoding="utf-8"?>
+<ds:datastoreItem xmlns:ds="http://schemas.openxmlformats.org/officeDocument/2006/customXml" ds:itemID="{1216D02C-A6EB-45B3-A6B2-3D1DF222F307}">
+  <ds:schemaRefs>
+    <ds:schemaRef ds:uri="http://purl.org/dc/terms/"/>
+    <ds:schemaRef ds:uri="http://schemas.openxmlformats.org/package/2006/metadata/core-properties"/>
+    <ds:schemaRef ds:uri="http://schemas.microsoft.com/office/2006/documentManagement/types"/>
+    <ds:schemaRef ds:uri="http://schemas.microsoft.com/office/infopath/2007/PartnerControls"/>
+    <ds:schemaRef ds:uri="http://purl.org/dc/elements/1.1/"/>
+    <ds:schemaRef ds:uri="http://schemas.microsoft.com/office/2006/metadata/properties"/>
+    <ds:schemaRef ds:uri="http://www.w3.org/XML/1998/namespace"/>
+    <ds:schemaRef ds:uri="http://purl.org/dc/dcmitype/"/>
+  </ds:schemaRefs>
+</ds:datastoreItem>
+</file>
+
 <file path=customXml/itemProps3.xml><?xml version="1.0" encoding="utf-8"?>
 <ds:datastoreItem xmlns:ds="http://schemas.openxmlformats.org/officeDocument/2006/customXml" ds:itemID="{F218C08F-A677-43C3-BF8E-C9EC5ECE9826}">
   <ds:schemaRefs>

--- a/The Unix Philosophy - Attributed - 2019-09-11.pptx
+++ b/The Unix Philosophy - Attributed - 2019-09-11.pptx
@@ -7929,8 +7929,8 @@
         </p:nvSpPr>
         <p:spPr>
           <a:xfrm>
-            <a:off x="677335" y="4050831"/>
-            <a:ext cx="4079721" cy="1096901"/>
+            <a:off x="582707" y="4050831"/>
+            <a:ext cx="4174350" cy="1096901"/>
           </a:xfrm>
         </p:spPr>
         <p:txBody>
@@ -7957,7 +7957,7 @@
             </a:pPr>
             <a:r>
               <a:rPr lang="en-US" sz="1600" dirty="0"/>
-              <a:t>Scott McCrory – 9/11/2019</a:t>
+              <a:t>Scott McCrory – 10/4/2019</a:t>
             </a:r>
           </a:p>
         </p:txBody>
@@ -8657,8 +8657,8 @@
         </p:nvSpPr>
         <p:spPr>
           <a:xfrm>
-            <a:off x="0" y="6346845"/>
-            <a:ext cx="4531983" cy="507831"/>
+            <a:off x="0" y="6400635"/>
+            <a:ext cx="4531983" cy="461665"/>
           </a:xfrm>
           <a:prstGeom prst="rect">
             <a:avLst/>
@@ -8671,7 +8671,7 @@
           <a:lstStyle/>
           <a:p>
             <a:r>
-              <a:rPr lang="en-US" sz="900" dirty="0"/>
+              <a:rPr lang="en-US" sz="800" i="1" dirty="0"/>
               <a:t>The Huntington National Bank is Member FDIC. ®, Huntington® and  Huntington. Welcome.® are federally registered service marks of Huntington Bancshares Incorporated.  © 2019 Huntington Bancshares Incorporated.</a:t>
             </a:r>
           </a:p>
@@ -14694,6 +14694,12 @@
 </file>
 
 <file path=customXml/item1.xml><?xml version="1.0" encoding="utf-8"?>
+<p:properties xmlns:p="http://schemas.microsoft.com/office/2006/metadata/properties" xmlns:xsi="http://www.w3.org/2001/XMLSchema-instance" xmlns:pc="http://schemas.microsoft.com/office/infopath/2007/PartnerControls">
+  <documentManagement/>
+</p:properties>
+</file>
+
+<file path=customXml/item2.xml><?xml version="1.0" encoding="utf-8"?>
 <ct:contentTypeSchema xmlns:ct="http://schemas.microsoft.com/office/2006/metadata/contentType" xmlns:ma="http://schemas.microsoft.com/office/2006/metadata/properties/metaAttributes" ct:_="" ma:_="" ma:contentTypeName="Document" ma:contentTypeID="0x010100999C4FC1E27B604AB083C5A2EF450DFC" ma:contentTypeVersion="0" ma:contentTypeDescription="Create a new document." ma:contentTypeScope="" ma:versionID="33e62442aba9e8183c430b9529e05696">
   <xsd:schema xmlns:xsd="http://www.w3.org/2001/XMLSchema" xmlns:xs="http://www.w3.org/2001/XMLSchema" xmlns:p="http://schemas.microsoft.com/office/2006/metadata/properties" targetNamespace="http://schemas.microsoft.com/office/2006/metadata/properties" ma:root="true" ma:fieldsID="1b05d82d297216baf5b26c55225140df">
     <xsd:element name="properties">
@@ -14807,12 +14813,6 @@
 </ct:contentTypeSchema>
 </file>
 
-<file path=customXml/item2.xml><?xml version="1.0" encoding="utf-8"?>
-<p:properties xmlns:p="http://schemas.microsoft.com/office/2006/metadata/properties" xmlns:xsi="http://www.w3.org/2001/XMLSchema-instance" xmlns:pc="http://schemas.microsoft.com/office/infopath/2007/PartnerControls">
-  <documentManagement/>
-</p:properties>
-</file>
-
 <file path=customXml/item3.xml><?xml version="1.0" encoding="utf-8"?>
 <?mso-contentType ?>
 <FormTemplates xmlns="http://schemas.microsoft.com/sharepoint/v3/contenttype/forms">
@@ -14823,6 +14823,21 @@
 </file>
 
 <file path=customXml/itemProps1.xml><?xml version="1.0" encoding="utf-8"?>
+<ds:datastoreItem xmlns:ds="http://schemas.openxmlformats.org/officeDocument/2006/customXml" ds:itemID="{1216D02C-A6EB-45B3-A6B2-3D1DF222F307}">
+  <ds:schemaRefs>
+    <ds:schemaRef ds:uri="http://purl.org/dc/terms/"/>
+    <ds:schemaRef ds:uri="http://schemas.openxmlformats.org/package/2006/metadata/core-properties"/>
+    <ds:schemaRef ds:uri="http://schemas.microsoft.com/office/2006/documentManagement/types"/>
+    <ds:schemaRef ds:uri="http://schemas.microsoft.com/office/infopath/2007/PartnerControls"/>
+    <ds:schemaRef ds:uri="http://purl.org/dc/elements/1.1/"/>
+    <ds:schemaRef ds:uri="http://schemas.microsoft.com/office/2006/metadata/properties"/>
+    <ds:schemaRef ds:uri="http://www.w3.org/XML/1998/namespace"/>
+    <ds:schemaRef ds:uri="http://purl.org/dc/dcmitype/"/>
+  </ds:schemaRefs>
+</ds:datastoreItem>
+</file>
+
+<file path=customXml/itemProps2.xml><?xml version="1.0" encoding="utf-8"?>
 <ds:datastoreItem xmlns:ds="http://schemas.openxmlformats.org/officeDocument/2006/customXml" ds:itemID="{A8ED9177-9849-439D-B4A9-EBD14F4EE18D}">
   <ds:schemaRefs>
     <ds:schemaRef ds:uri="http://schemas.microsoft.com/office/2006/metadata/contentType"/>
@@ -14838,21 +14853,6 @@
 </ds:datastoreItem>
 </file>
 
-<file path=customXml/itemProps2.xml><?xml version="1.0" encoding="utf-8"?>
-<ds:datastoreItem xmlns:ds="http://schemas.openxmlformats.org/officeDocument/2006/customXml" ds:itemID="{1216D02C-A6EB-45B3-A6B2-3D1DF222F307}">
-  <ds:schemaRefs>
-    <ds:schemaRef ds:uri="http://purl.org/dc/terms/"/>
-    <ds:schemaRef ds:uri="http://schemas.openxmlformats.org/package/2006/metadata/core-properties"/>
-    <ds:schemaRef ds:uri="http://schemas.microsoft.com/office/2006/documentManagement/types"/>
-    <ds:schemaRef ds:uri="http://schemas.microsoft.com/office/infopath/2007/PartnerControls"/>
-    <ds:schemaRef ds:uri="http://purl.org/dc/elements/1.1/"/>
-    <ds:schemaRef ds:uri="http://schemas.microsoft.com/office/2006/metadata/properties"/>
-    <ds:schemaRef ds:uri="http://www.w3.org/XML/1998/namespace"/>
-    <ds:schemaRef ds:uri="http://purl.org/dc/dcmitype/"/>
-  </ds:schemaRefs>
-</ds:datastoreItem>
-</file>
-
 <file path=customXml/itemProps3.xml><?xml version="1.0" encoding="utf-8"?>
 <ds:datastoreItem xmlns:ds="http://schemas.openxmlformats.org/officeDocument/2006/customXml" ds:itemID="{F218C08F-A677-43C3-BF8E-C9EC5ECE9826}">
   <ds:schemaRefs>

--- a/The Unix Philosophy - Attributed - 2019-09-11.pptx
+++ b/The Unix Philosophy - Attributed - 2019-09-11.pptx
@@ -212,7 +212,7 @@
           <a:p>
             <a:fld id="{A5F5E26E-66A7-4B62-B7F0-7F248595D5F5}" type="datetimeFigureOut">
               <a:rPr lang="en-US" smtClean="0"/>
-              <a:t>10/1/2019</a:t>
+              <a:t>10/2/2019</a:t>
             </a:fld>
             <a:endParaRPr lang="en-US"/>
           </a:p>
@@ -2746,7 +2746,7 @@
             <a:fld id="{B61BEF0D-F0BB-DE4B-95CE-6DB70DBA9567}" type="datetimeFigureOut">
               <a:rPr lang="en-US" dirty="0"/>
               <a:pPr/>
-              <a:t>10/1/2019</a:t>
+              <a:t>10/2/2019</a:t>
             </a:fld>
             <a:endParaRPr lang="en-US" dirty="0"/>
           </a:p>
@@ -2994,7 +2994,7 @@
             <a:fld id="{B61BEF0D-F0BB-DE4B-95CE-6DB70DBA9567}" type="datetimeFigureOut">
               <a:rPr lang="en-US" dirty="0"/>
               <a:pPr/>
-              <a:t>10/1/2019</a:t>
+              <a:t>10/2/2019</a:t>
             </a:fld>
             <a:endParaRPr lang="en-US" dirty="0"/>
           </a:p>
@@ -3305,7 +3305,7 @@
             <a:fld id="{B61BEF0D-F0BB-DE4B-95CE-6DB70DBA9567}" type="datetimeFigureOut">
               <a:rPr lang="en-US" dirty="0"/>
               <a:pPr/>
-              <a:t>10/1/2019</a:t>
+              <a:t>10/2/2019</a:t>
             </a:fld>
             <a:endParaRPr lang="en-US" dirty="0"/>
           </a:p>
@@ -3643,7 +3643,7 @@
             <a:fld id="{B61BEF0D-F0BB-DE4B-95CE-6DB70DBA9567}" type="datetimeFigureOut">
               <a:rPr lang="en-US" dirty="0"/>
               <a:pPr/>
-              <a:t>10/1/2019</a:t>
+              <a:t>10/2/2019</a:t>
             </a:fld>
             <a:endParaRPr lang="en-US" dirty="0"/>
           </a:p>
@@ -3954,7 +3954,7 @@
             <a:fld id="{B61BEF0D-F0BB-DE4B-95CE-6DB70DBA9567}" type="datetimeFigureOut">
               <a:rPr lang="en-US" dirty="0"/>
               <a:pPr/>
-              <a:t>10/1/2019</a:t>
+              <a:t>10/2/2019</a:t>
             </a:fld>
             <a:endParaRPr lang="en-US" dirty="0"/>
           </a:p>
@@ -4344,7 +4344,7 @@
             <a:fld id="{B61BEF0D-F0BB-DE4B-95CE-6DB70DBA9567}" type="datetimeFigureOut">
               <a:rPr lang="en-US" dirty="0"/>
               <a:pPr/>
-              <a:t>10/1/2019</a:t>
+              <a:t>10/2/2019</a:t>
             </a:fld>
             <a:endParaRPr lang="en-US" dirty="0"/>
           </a:p>
@@ -4510,7 +4510,7 @@
           <a:p>
             <a:fld id="{55C6B4A9-1611-4792-9094-5F34BCA07E0B}" type="datetimeFigureOut">
               <a:rPr lang="en-US" dirty="0"/>
-              <a:t>10/1/2019</a:t>
+              <a:t>10/2/2019</a:t>
             </a:fld>
             <a:endParaRPr lang="en-US" dirty="0"/>
           </a:p>
@@ -4686,7 +4686,7 @@
             <a:fld id="{B61BEF0D-F0BB-DE4B-95CE-6DB70DBA9567}" type="datetimeFigureOut">
               <a:rPr lang="en-US" dirty="0"/>
               <a:pPr/>
-              <a:t>10/1/2019</a:t>
+              <a:t>10/2/2019</a:t>
             </a:fld>
             <a:endParaRPr lang="en-US" dirty="0"/>
           </a:p>
@@ -4859,7 +4859,7 @@
             <a:fld id="{B61BEF0D-F0BB-DE4B-95CE-6DB70DBA9567}" type="datetimeFigureOut">
               <a:rPr lang="en-US" dirty="0"/>
               <a:pPr/>
-              <a:t>10/1/2019</a:t>
+              <a:t>10/2/2019</a:t>
             </a:fld>
             <a:endParaRPr lang="en-US" dirty="0"/>
           </a:p>
@@ -5103,7 +5103,7 @@
             <a:fld id="{B61BEF0D-F0BB-DE4B-95CE-6DB70DBA9567}" type="datetimeFigureOut">
               <a:rPr lang="en-US" dirty="0"/>
               <a:pPr/>
-              <a:t>10/1/2019</a:t>
+              <a:t>10/2/2019</a:t>
             </a:fld>
             <a:endParaRPr lang="en-US" dirty="0"/>
           </a:p>
@@ -5331,7 +5331,7 @@
           <a:p>
             <a:fld id="{EB712588-04B1-427B-82EE-E8DB90309F08}" type="datetimeFigureOut">
               <a:rPr lang="en-US" dirty="0"/>
-              <a:t>10/1/2019</a:t>
+              <a:t>10/2/2019</a:t>
             </a:fld>
             <a:endParaRPr lang="en-US" dirty="0"/>
           </a:p>
@@ -5701,7 +5701,7 @@
             <a:fld id="{B61BEF0D-F0BB-DE4B-95CE-6DB70DBA9567}" type="datetimeFigureOut">
               <a:rPr lang="en-US" dirty="0"/>
               <a:pPr/>
-              <a:t>10/1/2019</a:t>
+              <a:t>10/2/2019</a:t>
             </a:fld>
             <a:endParaRPr lang="en-US" dirty="0"/>
           </a:p>
@@ -5821,7 +5821,7 @@
             <a:fld id="{B61BEF0D-F0BB-DE4B-95CE-6DB70DBA9567}" type="datetimeFigureOut">
               <a:rPr lang="en-US" dirty="0"/>
               <a:pPr/>
-              <a:t>10/1/2019</a:t>
+              <a:t>10/2/2019</a:t>
             </a:fld>
             <a:endParaRPr lang="en-US" dirty="0"/>
           </a:p>
@@ -5913,7 +5913,7 @@
             <a:fld id="{B61BEF0D-F0BB-DE4B-95CE-6DB70DBA9567}" type="datetimeFigureOut">
               <a:rPr lang="en-US" dirty="0"/>
               <a:pPr/>
-              <a:t>10/1/2019</a:t>
+              <a:t>10/2/2019</a:t>
             </a:fld>
             <a:endParaRPr lang="en-US" dirty="0"/>
           </a:p>
@@ -6164,7 +6164,7 @@
           <a:p>
             <a:fld id="{42A54C80-263E-416B-A8E0-580EDEADCBDC}" type="datetimeFigureOut">
               <a:rPr lang="en-US" dirty="0"/>
-              <a:t>10/1/2019</a:t>
+              <a:t>10/2/2019</a:t>
             </a:fld>
             <a:endParaRPr lang="en-US" dirty="0"/>
           </a:p>
@@ -6423,7 +6423,7 @@
             <a:fld id="{B61BEF0D-F0BB-DE4B-95CE-6DB70DBA9567}" type="datetimeFigureOut">
               <a:rPr lang="en-US" dirty="0"/>
               <a:pPr/>
-              <a:t>10/1/2019</a:t>
+              <a:t>10/2/2019</a:t>
             </a:fld>
             <a:endParaRPr lang="en-US" dirty="0"/>
           </a:p>
@@ -7163,7 +7163,7 @@
             <a:fld id="{B61BEF0D-F0BB-DE4B-95CE-6DB70DBA9567}" type="datetimeFigureOut">
               <a:rPr lang="en-US" dirty="0"/>
               <a:pPr/>
-              <a:t>10/1/2019</a:t>
+              <a:t>10/2/2019</a:t>
             </a:fld>
             <a:endParaRPr lang="en-US" dirty="0"/>
           </a:p>
@@ -8658,7 +8658,7 @@
         <p:spPr>
           <a:xfrm>
             <a:off x="0" y="6400635"/>
-            <a:ext cx="4531983" cy="461665"/>
+            <a:ext cx="4670612" cy="461665"/>
           </a:xfrm>
           <a:prstGeom prst="rect">
             <a:avLst/>
@@ -8672,11 +8672,131 @@
           <a:p>
             <a:r>
               <a:rPr lang="en-US" sz="800" i="1" dirty="0"/>
-              <a:t>The Huntington National Bank is Member FDIC. ®, Huntington® and  Huntington. Welcome.® are federally registered service marks of Huntington Bancshares Incorporated.  © 2019 Huntington Bancshares Incorporated.</a:t>
-            </a:r>
-          </a:p>
-        </p:txBody>
-      </p:sp>
+              <a:t>The Huntington National Bank is Member FDIC.    ®, Huntington® and     Huntington. Welcome.® are federally registered service marks of Huntington Bancshares Incorporated.  © 2019 Huntington Bancshares Incorporated.</a:t>
+            </a:r>
+          </a:p>
+        </p:txBody>
+      </p:sp>
+      <p:pic>
+        <p:nvPicPr>
+          <p:cNvPr id="1026" name="Picture 2" descr="Honeycomb_black">
+            <a:extLst>
+              <a:ext uri="{FF2B5EF4-FFF2-40B4-BE49-F238E27FC236}">
+                <a16:creationId xmlns:a16="http://schemas.microsoft.com/office/drawing/2014/main" id="{FBC20317-00EE-43B4-AA0E-67349CAB9E45}"/>
+              </a:ext>
+            </a:extLst>
+          </p:cNvPr>
+          <p:cNvPicPr>
+            <a:picLocks noChangeAspect="1" noChangeArrowheads="1"/>
+          </p:cNvPicPr>
+          <p:nvPr/>
+        </p:nvPicPr>
+        <p:blipFill>
+          <a:blip r:embed="rId4">
+            <a:extLst>
+              <a:ext uri="{28A0092B-C50C-407E-A947-70E740481C1C}">
+                <a14:useLocalDpi xmlns:a14="http://schemas.microsoft.com/office/drawing/2010/main" val="0"/>
+              </a:ext>
+            </a:extLst>
+          </a:blip>
+          <a:srcRect/>
+          <a:stretch>
+            <a:fillRect/>
+          </a:stretch>
+        </p:blipFill>
+        <p:spPr bwMode="auto">
+          <a:xfrm>
+            <a:off x="2257071" y="6444677"/>
+            <a:ext cx="104775" cy="123825"/>
+          </a:xfrm>
+          <a:prstGeom prst="rect">
+            <a:avLst/>
+          </a:prstGeom>
+          <a:noFill/>
+          <a:ln>
+            <a:noFill/>
+          </a:ln>
+          <a:extLst>
+            <a:ext uri="{909E8E84-426E-40DD-AFC4-6F175D3DCCD1}">
+              <a14:hiddenFill xmlns:a14="http://schemas.microsoft.com/office/drawing/2010/main">
+                <a:solidFill>
+                  <a:srgbClr val="FFFFFF"/>
+                </a:solidFill>
+              </a14:hiddenFill>
+            </a:ext>
+            <a:ext uri="{91240B29-F687-4F45-9708-019B960494DF}">
+              <a14:hiddenLine xmlns:a14="http://schemas.microsoft.com/office/drawing/2010/main" w="9525">
+                <a:solidFill>
+                  <a:srgbClr val="000000"/>
+                </a:solidFill>
+                <a:miter lim="800000"/>
+                <a:headEnd/>
+                <a:tailEnd/>
+              </a14:hiddenLine>
+            </a:ext>
+          </a:extLst>
+        </p:spPr>
+      </p:pic>
+      <p:pic>
+        <p:nvPicPr>
+          <p:cNvPr id="1027" name="Picture 3" descr="Honeycomb_black">
+            <a:extLst>
+              <a:ext uri="{FF2B5EF4-FFF2-40B4-BE49-F238E27FC236}">
+                <a16:creationId xmlns:a16="http://schemas.microsoft.com/office/drawing/2014/main" id="{FF7410C4-92BB-4F3A-AF87-0E00A6F2B667}"/>
+              </a:ext>
+            </a:extLst>
+          </p:cNvPr>
+          <p:cNvPicPr>
+            <a:picLocks noChangeAspect="1" noChangeArrowheads="1"/>
+          </p:cNvPicPr>
+          <p:nvPr/>
+        </p:nvPicPr>
+        <p:blipFill>
+          <a:blip r:embed="rId4">
+            <a:extLst>
+              <a:ext uri="{28A0092B-C50C-407E-A947-70E740481C1C}">
+                <a14:useLocalDpi xmlns:a14="http://schemas.microsoft.com/office/drawing/2010/main" val="0"/>
+              </a:ext>
+            </a:extLst>
+          </a:blip>
+          <a:srcRect/>
+          <a:stretch>
+            <a:fillRect/>
+          </a:stretch>
+        </p:blipFill>
+        <p:spPr bwMode="auto">
+          <a:xfrm>
+            <a:off x="3323300" y="6444677"/>
+            <a:ext cx="104775" cy="123825"/>
+          </a:xfrm>
+          <a:prstGeom prst="rect">
+            <a:avLst/>
+          </a:prstGeom>
+          <a:noFill/>
+          <a:ln>
+            <a:noFill/>
+          </a:ln>
+          <a:extLst>
+            <a:ext uri="{909E8E84-426E-40DD-AFC4-6F175D3DCCD1}">
+              <a14:hiddenFill xmlns:a14="http://schemas.microsoft.com/office/drawing/2010/main">
+                <a:solidFill>
+                  <a:srgbClr val="FFFFFF"/>
+                </a:solidFill>
+              </a14:hiddenFill>
+            </a:ext>
+            <a:ext uri="{91240B29-F687-4F45-9708-019B960494DF}">
+              <a14:hiddenLine xmlns:a14="http://schemas.microsoft.com/office/drawing/2010/main" w="9525">
+                <a:solidFill>
+                  <a:srgbClr val="000000"/>
+                </a:solidFill>
+                <a:miter lim="800000"/>
+                <a:headEnd/>
+                <a:tailEnd/>
+              </a14:hiddenLine>
+            </a:ext>
+          </a:extLst>
+        </p:spPr>
+      </p:pic>
     </p:spTree>
     <p:extLst>
       <p:ext uri="{BB962C8B-B14F-4D97-AF65-F5344CB8AC3E}">
@@ -14694,12 +14814,6 @@
 </file>
 
 <file path=customXml/item1.xml><?xml version="1.0" encoding="utf-8"?>
-<p:properties xmlns:p="http://schemas.microsoft.com/office/2006/metadata/properties" xmlns:xsi="http://www.w3.org/2001/XMLSchema-instance" xmlns:pc="http://schemas.microsoft.com/office/infopath/2007/PartnerControls">
-  <documentManagement/>
-</p:properties>
-</file>
-
-<file path=customXml/item2.xml><?xml version="1.0" encoding="utf-8"?>
 <ct:contentTypeSchema xmlns:ct="http://schemas.microsoft.com/office/2006/metadata/contentType" xmlns:ma="http://schemas.microsoft.com/office/2006/metadata/properties/metaAttributes" ct:_="" ma:_="" ma:contentTypeName="Document" ma:contentTypeID="0x010100999C4FC1E27B604AB083C5A2EF450DFC" ma:contentTypeVersion="0" ma:contentTypeDescription="Create a new document." ma:contentTypeScope="" ma:versionID="33e62442aba9e8183c430b9529e05696">
   <xsd:schema xmlns:xsd="http://www.w3.org/2001/XMLSchema" xmlns:xs="http://www.w3.org/2001/XMLSchema" xmlns:p="http://schemas.microsoft.com/office/2006/metadata/properties" targetNamespace="http://schemas.microsoft.com/office/2006/metadata/properties" ma:root="true" ma:fieldsID="1b05d82d297216baf5b26c55225140df">
     <xsd:element name="properties">
@@ -14813,6 +14927,12 @@
 </ct:contentTypeSchema>
 </file>
 
+<file path=customXml/item2.xml><?xml version="1.0" encoding="utf-8"?>
+<p:properties xmlns:p="http://schemas.microsoft.com/office/2006/metadata/properties" xmlns:xsi="http://www.w3.org/2001/XMLSchema-instance" xmlns:pc="http://schemas.microsoft.com/office/infopath/2007/PartnerControls">
+  <documentManagement/>
+</p:properties>
+</file>
+
 <file path=customXml/item3.xml><?xml version="1.0" encoding="utf-8"?>
 <?mso-contentType ?>
 <FormTemplates xmlns="http://schemas.microsoft.com/sharepoint/v3/contenttype/forms">
@@ -14823,21 +14943,6 @@
 </file>
 
 <file path=customXml/itemProps1.xml><?xml version="1.0" encoding="utf-8"?>
-<ds:datastoreItem xmlns:ds="http://schemas.openxmlformats.org/officeDocument/2006/customXml" ds:itemID="{1216D02C-A6EB-45B3-A6B2-3D1DF222F307}">
-  <ds:schemaRefs>
-    <ds:schemaRef ds:uri="http://purl.org/dc/terms/"/>
-    <ds:schemaRef ds:uri="http://schemas.openxmlformats.org/package/2006/metadata/core-properties"/>
-    <ds:schemaRef ds:uri="http://schemas.microsoft.com/office/2006/documentManagement/types"/>
-    <ds:schemaRef ds:uri="http://schemas.microsoft.com/office/infopath/2007/PartnerControls"/>
-    <ds:schemaRef ds:uri="http://purl.org/dc/elements/1.1/"/>
-    <ds:schemaRef ds:uri="http://schemas.microsoft.com/office/2006/metadata/properties"/>
-    <ds:schemaRef ds:uri="http://www.w3.org/XML/1998/namespace"/>
-    <ds:schemaRef ds:uri="http://purl.org/dc/dcmitype/"/>
-  </ds:schemaRefs>
-</ds:datastoreItem>
-</file>
-
-<file path=customXml/itemProps2.xml><?xml version="1.0" encoding="utf-8"?>
 <ds:datastoreItem xmlns:ds="http://schemas.openxmlformats.org/officeDocument/2006/customXml" ds:itemID="{A8ED9177-9849-439D-B4A9-EBD14F4EE18D}">
   <ds:schemaRefs>
     <ds:schemaRef ds:uri="http://schemas.microsoft.com/office/2006/metadata/contentType"/>
@@ -14853,6 +14958,21 @@
 </ds:datastoreItem>
 </file>
 
+<file path=customXml/itemProps2.xml><?xml version="1.0" encoding="utf-8"?>
+<ds:datastoreItem xmlns:ds="http://schemas.openxmlformats.org/officeDocument/2006/customXml" ds:itemID="{1216D02C-A6EB-45B3-A6B2-3D1DF222F307}">
+  <ds:schemaRefs>
+    <ds:schemaRef ds:uri="http://schemas.microsoft.com/office/infopath/2007/PartnerControls"/>
+    <ds:schemaRef ds:uri="http://purl.org/dc/elements/1.1/"/>
+    <ds:schemaRef ds:uri="http://schemas.microsoft.com/office/2006/metadata/properties"/>
+    <ds:schemaRef ds:uri="http://schemas.microsoft.com/office/2006/documentManagement/types"/>
+    <ds:schemaRef ds:uri="http://purl.org/dc/terms/"/>
+    <ds:schemaRef ds:uri="http://schemas.openxmlformats.org/package/2006/metadata/core-properties"/>
+    <ds:schemaRef ds:uri="http://purl.org/dc/dcmitype/"/>
+    <ds:schemaRef ds:uri="http://www.w3.org/XML/1998/namespace"/>
+  </ds:schemaRefs>
+</ds:datastoreItem>
+</file>
+
 <file path=customXml/itemProps3.xml><?xml version="1.0" encoding="utf-8"?>
 <ds:datastoreItem xmlns:ds="http://schemas.openxmlformats.org/officeDocument/2006/customXml" ds:itemID="{F218C08F-A677-43C3-BF8E-C9EC5ECE9826}">
   <ds:schemaRefs>

--- a/The Unix Philosophy - Attributed - 2019-09-11.pptx
+++ b/The Unix Philosophy - Attributed - 2019-09-11.pptx
@@ -10,8 +10,8 @@
   <p:sldIdLst>
     <p:sldId id="256" r:id="rId5"/>
     <p:sldId id="258" r:id="rId6"/>
-    <p:sldId id="260" r:id="rId7"/>
-    <p:sldId id="273" r:id="rId8"/>
+    <p:sldId id="273" r:id="rId7"/>
+    <p:sldId id="260" r:id="rId8"/>
     <p:sldId id="259" r:id="rId9"/>
     <p:sldId id="261" r:id="rId10"/>
     <p:sldId id="262" r:id="rId11"/>
@@ -212,7 +212,7 @@
           <a:p>
             <a:fld id="{A5F5E26E-66A7-4B62-B7F0-7F248595D5F5}" type="datetimeFigureOut">
               <a:rPr lang="en-US" smtClean="0"/>
-              <a:t>10/2/2019</a:t>
+              <a:t>10/4/19</a:t>
             </a:fld>
             <a:endParaRPr lang="en-US"/>
           </a:p>
@@ -1413,7 +1413,7 @@
           <a:p>
             <a:fld id="{6CDB091E-F325-4F04-BDD6-B7B60A9ADCB7}" type="slidenum">
               <a:rPr lang="en-US" smtClean="0"/>
-              <a:t>4</a:t>
+              <a:t>3</a:t>
             </a:fld>
             <a:endParaRPr lang="en-US"/>
           </a:p>
@@ -2746,7 +2746,7 @@
             <a:fld id="{B61BEF0D-F0BB-DE4B-95CE-6DB70DBA9567}" type="datetimeFigureOut">
               <a:rPr lang="en-US" dirty="0"/>
               <a:pPr/>
-              <a:t>10/2/2019</a:t>
+              <a:t>10/4/19</a:t>
             </a:fld>
             <a:endParaRPr lang="en-US" dirty="0"/>
           </a:p>
@@ -2994,7 +2994,7 @@
             <a:fld id="{B61BEF0D-F0BB-DE4B-95CE-6DB70DBA9567}" type="datetimeFigureOut">
               <a:rPr lang="en-US" dirty="0"/>
               <a:pPr/>
-              <a:t>10/2/2019</a:t>
+              <a:t>10/4/19</a:t>
             </a:fld>
             <a:endParaRPr lang="en-US" dirty="0"/>
           </a:p>
@@ -3305,7 +3305,7 @@
             <a:fld id="{B61BEF0D-F0BB-DE4B-95CE-6DB70DBA9567}" type="datetimeFigureOut">
               <a:rPr lang="en-US" dirty="0"/>
               <a:pPr/>
-              <a:t>10/2/2019</a:t>
+              <a:t>10/4/19</a:t>
             </a:fld>
             <a:endParaRPr lang="en-US" dirty="0"/>
           </a:p>
@@ -3643,7 +3643,7 @@
             <a:fld id="{B61BEF0D-F0BB-DE4B-95CE-6DB70DBA9567}" type="datetimeFigureOut">
               <a:rPr lang="en-US" dirty="0"/>
               <a:pPr/>
-              <a:t>10/2/2019</a:t>
+              <a:t>10/4/19</a:t>
             </a:fld>
             <a:endParaRPr lang="en-US" dirty="0"/>
           </a:p>
@@ -3954,7 +3954,7 @@
             <a:fld id="{B61BEF0D-F0BB-DE4B-95CE-6DB70DBA9567}" type="datetimeFigureOut">
               <a:rPr lang="en-US" dirty="0"/>
               <a:pPr/>
-              <a:t>10/2/2019</a:t>
+              <a:t>10/4/19</a:t>
             </a:fld>
             <a:endParaRPr lang="en-US" dirty="0"/>
           </a:p>
@@ -4344,7 +4344,7 @@
             <a:fld id="{B61BEF0D-F0BB-DE4B-95CE-6DB70DBA9567}" type="datetimeFigureOut">
               <a:rPr lang="en-US" dirty="0"/>
               <a:pPr/>
-              <a:t>10/2/2019</a:t>
+              <a:t>10/4/19</a:t>
             </a:fld>
             <a:endParaRPr lang="en-US" dirty="0"/>
           </a:p>
@@ -4510,7 +4510,7 @@
           <a:p>
             <a:fld id="{55C6B4A9-1611-4792-9094-5F34BCA07E0B}" type="datetimeFigureOut">
               <a:rPr lang="en-US" dirty="0"/>
-              <a:t>10/2/2019</a:t>
+              <a:t>10/4/19</a:t>
             </a:fld>
             <a:endParaRPr lang="en-US" dirty="0"/>
           </a:p>
@@ -4686,7 +4686,7 @@
             <a:fld id="{B61BEF0D-F0BB-DE4B-95CE-6DB70DBA9567}" type="datetimeFigureOut">
               <a:rPr lang="en-US" dirty="0"/>
               <a:pPr/>
-              <a:t>10/2/2019</a:t>
+              <a:t>10/4/19</a:t>
             </a:fld>
             <a:endParaRPr lang="en-US" dirty="0"/>
           </a:p>
@@ -4859,7 +4859,7 @@
             <a:fld id="{B61BEF0D-F0BB-DE4B-95CE-6DB70DBA9567}" type="datetimeFigureOut">
               <a:rPr lang="en-US" dirty="0"/>
               <a:pPr/>
-              <a:t>10/2/2019</a:t>
+              <a:t>10/4/19</a:t>
             </a:fld>
             <a:endParaRPr lang="en-US" dirty="0"/>
           </a:p>
@@ -5103,7 +5103,7 @@
             <a:fld id="{B61BEF0D-F0BB-DE4B-95CE-6DB70DBA9567}" type="datetimeFigureOut">
               <a:rPr lang="en-US" dirty="0"/>
               <a:pPr/>
-              <a:t>10/2/2019</a:t>
+              <a:t>10/4/19</a:t>
             </a:fld>
             <a:endParaRPr lang="en-US" dirty="0"/>
           </a:p>
@@ -5331,7 +5331,7 @@
           <a:p>
             <a:fld id="{EB712588-04B1-427B-82EE-E8DB90309F08}" type="datetimeFigureOut">
               <a:rPr lang="en-US" dirty="0"/>
-              <a:t>10/2/2019</a:t>
+              <a:t>10/4/19</a:t>
             </a:fld>
             <a:endParaRPr lang="en-US" dirty="0"/>
           </a:p>
@@ -5701,7 +5701,7 @@
             <a:fld id="{B61BEF0D-F0BB-DE4B-95CE-6DB70DBA9567}" type="datetimeFigureOut">
               <a:rPr lang="en-US" dirty="0"/>
               <a:pPr/>
-              <a:t>10/2/2019</a:t>
+              <a:t>10/4/19</a:t>
             </a:fld>
             <a:endParaRPr lang="en-US" dirty="0"/>
           </a:p>
@@ -5821,7 +5821,7 @@
             <a:fld id="{B61BEF0D-F0BB-DE4B-95CE-6DB70DBA9567}" type="datetimeFigureOut">
               <a:rPr lang="en-US" dirty="0"/>
               <a:pPr/>
-              <a:t>10/2/2019</a:t>
+              <a:t>10/4/19</a:t>
             </a:fld>
             <a:endParaRPr lang="en-US" dirty="0"/>
           </a:p>
@@ -5913,7 +5913,7 @@
             <a:fld id="{B61BEF0D-F0BB-DE4B-95CE-6DB70DBA9567}" type="datetimeFigureOut">
               <a:rPr lang="en-US" dirty="0"/>
               <a:pPr/>
-              <a:t>10/2/2019</a:t>
+              <a:t>10/4/19</a:t>
             </a:fld>
             <a:endParaRPr lang="en-US" dirty="0"/>
           </a:p>
@@ -6164,7 +6164,7 @@
           <a:p>
             <a:fld id="{42A54C80-263E-416B-A8E0-580EDEADCBDC}" type="datetimeFigureOut">
               <a:rPr lang="en-US" dirty="0"/>
-              <a:t>10/2/2019</a:t>
+              <a:t>10/4/19</a:t>
             </a:fld>
             <a:endParaRPr lang="en-US" dirty="0"/>
           </a:p>
@@ -6423,7 +6423,7 @@
             <a:fld id="{B61BEF0D-F0BB-DE4B-95CE-6DB70DBA9567}" type="datetimeFigureOut">
               <a:rPr lang="en-US" dirty="0"/>
               <a:pPr/>
-              <a:t>10/2/2019</a:t>
+              <a:t>10/4/19</a:t>
             </a:fld>
             <a:endParaRPr lang="en-US" dirty="0"/>
           </a:p>
@@ -7163,7 +7163,7 @@
             <a:fld id="{B61BEF0D-F0BB-DE4B-95CE-6DB70DBA9567}" type="datetimeFigureOut">
               <a:rPr lang="en-US" dirty="0"/>
               <a:pPr/>
-              <a:t>10/2/2019</a:t>
+              <a:t>10/4/19</a:t>
             </a:fld>
             <a:endParaRPr lang="en-US" dirty="0"/>
           </a:p>
@@ -11430,13 +11430,13 @@
           <a:p>
             <a:r>
               <a:rPr lang="en-US" sz="2800" dirty="0"/>
+              <a:t>Who am I and What is This About?</a:t>
+            </a:r>
+          </a:p>
+          <a:p>
+            <a:r>
+              <a:rPr lang="en-US" sz="2800" dirty="0"/>
               <a:t>The Book and Approach</a:t>
-            </a:r>
-          </a:p>
-          <a:p>
-            <a:r>
-              <a:rPr lang="en-US" sz="2800" dirty="0"/>
-              <a:t>Who am I and What is This About?</a:t>
             </a:r>
           </a:p>
           <a:p>
@@ -11735,173 +11735,6 @@
 <file path=ppt/slides/slide3.xml><?xml version="1.0" encoding="utf-8"?>
 <p:sld xmlns:a="http://schemas.openxmlformats.org/drawingml/2006/main" xmlns:r="http://schemas.openxmlformats.org/officeDocument/2006/relationships" xmlns:p="http://schemas.openxmlformats.org/presentationml/2006/main">
   <p:cSld>
-    <p:spTree>
-      <p:nvGrpSpPr>
-        <p:cNvPr id="1" name=""/>
-        <p:cNvGrpSpPr/>
-        <p:nvPr/>
-      </p:nvGrpSpPr>
-      <p:grpSpPr>
-        <a:xfrm>
-          <a:off x="0" y="0"/>
-          <a:ext cx="0" cy="0"/>
-          <a:chOff x="0" y="0"/>
-          <a:chExt cx="0" cy="0"/>
-        </a:xfrm>
-      </p:grpSpPr>
-      <p:sp>
-        <p:nvSpPr>
-          <p:cNvPr id="2" name="Title 1">
-            <a:extLst>
-              <a:ext uri="{FF2B5EF4-FFF2-40B4-BE49-F238E27FC236}">
-                <a16:creationId xmlns:a16="http://schemas.microsoft.com/office/drawing/2014/main" id="{23B067CA-8904-408A-BE17-214435E7A684}"/>
-              </a:ext>
-            </a:extLst>
-          </p:cNvPr>
-          <p:cNvSpPr>
-            <a:spLocks noGrp="1"/>
-          </p:cNvSpPr>
-          <p:nvPr>
-            <p:ph type="title"/>
-          </p:nvPr>
-        </p:nvSpPr>
-        <p:spPr/>
-        <p:txBody>
-          <a:bodyPr/>
-          <a:lstStyle/>
-          <a:p>
-            <a:r>
-              <a:rPr lang="en-US" dirty="0"/>
-              <a:t>The Book and Approach</a:t>
-            </a:r>
-          </a:p>
-        </p:txBody>
-      </p:sp>
-      <p:sp>
-        <p:nvSpPr>
-          <p:cNvPr id="3" name="Content Placeholder 2">
-            <a:extLst>
-              <a:ext uri="{FF2B5EF4-FFF2-40B4-BE49-F238E27FC236}">
-                <a16:creationId xmlns:a16="http://schemas.microsoft.com/office/drawing/2014/main" id="{E36202FF-B46D-492C-BB18-D1A7D6D96BCB}"/>
-              </a:ext>
-            </a:extLst>
-          </p:cNvPr>
-          <p:cNvSpPr>
-            <a:spLocks noGrp="1"/>
-          </p:cNvSpPr>
-          <p:nvPr>
-            <p:ph idx="1"/>
-          </p:nvPr>
-        </p:nvSpPr>
-        <p:spPr>
-          <a:xfrm>
-            <a:off x="677334" y="1631092"/>
-            <a:ext cx="8596668" cy="4794421"/>
-          </a:xfrm>
-        </p:spPr>
-        <p:txBody>
-          <a:bodyPr>
-            <a:normAutofit fontScale="85000" lnSpcReduction="10000"/>
-          </a:bodyPr>
-          <a:lstStyle/>
-          <a:p>
-            <a:r>
-              <a:rPr lang="en-US" sz="2000" dirty="0"/>
-              <a:t>Early Unix developers were important in bringing the concepts of modularity and reusability into software engineering practice, spawning a "software tools" movement</a:t>
-            </a:r>
-          </a:p>
-          <a:p>
-            <a:r>
-              <a:rPr lang="en-US" sz="2000" dirty="0"/>
-              <a:t>In 1984, Rob Pike and Brian W. Kernighan published "</a:t>
-            </a:r>
-            <a:r>
-              <a:rPr lang="en-US" sz="2000" b="1" dirty="0"/>
-              <a:t>Program Design in the Unix Environment</a:t>
-            </a:r>
-            <a:r>
-              <a:rPr lang="en-US" sz="2000" dirty="0"/>
-              <a:t>" in AT&amp;T Bell Laboratories’ Technical Journal, in which they argued the Unix philosophy of building small, focused programs that do only one thing but do this thing well, communicate via stdin/</a:t>
-            </a:r>
-            <a:r>
-              <a:rPr lang="en-US" sz="2000" dirty="0" err="1"/>
-              <a:t>stdout</a:t>
-            </a:r>
-            <a:r>
-              <a:rPr lang="en-US" sz="2000" dirty="0"/>
-              <a:t>, and connect through pipes</a:t>
-            </a:r>
-          </a:p>
-          <a:p>
-            <a:r>
-              <a:rPr lang="en-US" sz="2000" dirty="0"/>
-              <a:t>Mike </a:t>
-            </a:r>
-            <a:r>
-              <a:rPr lang="en-US" sz="2000" dirty="0" err="1"/>
-              <a:t>Gancarz</a:t>
-            </a:r>
-            <a:r>
-              <a:rPr lang="en-US" sz="2000" dirty="0"/>
-              <a:t> followed it up in 1995 with </a:t>
-            </a:r>
-            <a:r>
-              <a:rPr lang="en-US" sz="2000" b="1" dirty="0"/>
-              <a:t>“The UNIX Philosophy” </a:t>
-            </a:r>
-            <a:r>
-              <a:rPr lang="en-US" sz="2000" dirty="0"/>
-              <a:t>which drew in Ken Thompson’s cultural norms and approaches to minimalist, modular software</a:t>
-            </a:r>
-          </a:p>
-          <a:p>
-            <a:r>
-              <a:rPr lang="en-US" sz="2000" dirty="0"/>
-              <a:t>The Unix philosophy emphasizes building simple, short, clear, modular, and extensible code that can be easily maintained and repurposed by developers other than its creators. </a:t>
-            </a:r>
-          </a:p>
-          <a:p>
-            <a:r>
-              <a:rPr lang="en-US" sz="2000" dirty="0"/>
-              <a:t>Think: Cohesion and Decoupling; Composability as opposed to monolithic design</a:t>
-            </a:r>
-          </a:p>
-          <a:p>
-            <a:r>
-              <a:rPr lang="en-US" sz="2000" b="1" i="1" dirty="0"/>
-              <a:t>It still applies today!  Microservices anyone?</a:t>
-            </a:r>
-          </a:p>
-          <a:p>
-            <a:r>
-              <a:rPr lang="en-US" sz="2000" i="1" dirty="0">
-                <a:hlinkClick r:id="rId2"/>
-              </a:rPr>
-              <a:t>https://www.amazon.com/UNIX-Philosophy-Mike-Gancarz-ebook/dp/B002OL2G4Gv</a:t>
-            </a:r>
-            <a:r>
-              <a:rPr lang="en-US" sz="2000" i="1" dirty="0"/>
-              <a:t> </a:t>
-            </a:r>
-          </a:p>
-        </p:txBody>
-      </p:sp>
-    </p:spTree>
-    <p:extLst>
-      <p:ext uri="{BB962C8B-B14F-4D97-AF65-F5344CB8AC3E}">
-        <p14:creationId xmlns:p14="http://schemas.microsoft.com/office/powerpoint/2010/main" val="3236064134"/>
-      </p:ext>
-    </p:extLst>
-  </p:cSld>
-  <p:clrMapOvr>
-    <a:masterClrMapping/>
-  </p:clrMapOvr>
-</p:sld>
-</file>
-
-<file path=ppt/slides/slide4.xml><?xml version="1.0" encoding="utf-8"?>
-<p:sld xmlns:a="http://schemas.openxmlformats.org/drawingml/2006/main" xmlns:r="http://schemas.openxmlformats.org/officeDocument/2006/relationships" xmlns:p="http://schemas.openxmlformats.org/presentationml/2006/main">
-  <p:cSld>
     <p:bg>
       <p:bgPr>
         <a:solidFill>
@@ -11977,8 +11810,8 @@
         </p:nvSpPr>
         <p:spPr>
           <a:xfrm>
-            <a:off x="5209563" y="2042985"/>
-            <a:ext cx="4502848" cy="4753232"/>
+            <a:off x="5209562" y="2042985"/>
+            <a:ext cx="4795049" cy="4753232"/>
           </a:xfrm>
         </p:spPr>
         <p:txBody>
@@ -12006,6 +11839,17 @@
             <a:r>
               <a:rPr lang="en-US" sz="2000" dirty="0"/>
               <a:t>35 years in I.T. as a developer, system administrator, network engineer, solution delivery manager and architect</a:t>
+            </a:r>
+          </a:p>
+          <a:p>
+            <a:pPr>
+              <a:lnSpc>
+                <a:spcPct val="90000"/>
+              </a:lnSpc>
+            </a:pPr>
+            <a:r>
+              <a:rPr lang="en-US" sz="2000" dirty="0"/>
+              <a:t>”So much of today is like yesterday”</a:t>
             </a:r>
           </a:p>
           <a:p>
@@ -12130,6 +11974,167 @@
 </p:sld>
 </file>
 
+<file path=ppt/slides/slide4.xml><?xml version="1.0" encoding="utf-8"?>
+<p:sld xmlns:a="http://schemas.openxmlformats.org/drawingml/2006/main" xmlns:r="http://schemas.openxmlformats.org/officeDocument/2006/relationships" xmlns:p="http://schemas.openxmlformats.org/presentationml/2006/main">
+  <p:cSld>
+    <p:spTree>
+      <p:nvGrpSpPr>
+        <p:cNvPr id="1" name=""/>
+        <p:cNvGrpSpPr/>
+        <p:nvPr/>
+      </p:nvGrpSpPr>
+      <p:grpSpPr>
+        <a:xfrm>
+          <a:off x="0" y="0"/>
+          <a:ext cx="0" cy="0"/>
+          <a:chOff x="0" y="0"/>
+          <a:chExt cx="0" cy="0"/>
+        </a:xfrm>
+      </p:grpSpPr>
+      <p:sp>
+        <p:nvSpPr>
+          <p:cNvPr id="2" name="Title 1">
+            <a:extLst>
+              <a:ext uri="{FF2B5EF4-FFF2-40B4-BE49-F238E27FC236}">
+                <a16:creationId xmlns:a16="http://schemas.microsoft.com/office/drawing/2014/main" id="{23B067CA-8904-408A-BE17-214435E7A684}"/>
+              </a:ext>
+            </a:extLst>
+          </p:cNvPr>
+          <p:cNvSpPr>
+            <a:spLocks noGrp="1"/>
+          </p:cNvSpPr>
+          <p:nvPr>
+            <p:ph type="title"/>
+          </p:nvPr>
+        </p:nvSpPr>
+        <p:spPr/>
+        <p:txBody>
+          <a:bodyPr/>
+          <a:lstStyle/>
+          <a:p>
+            <a:r>
+              <a:rPr lang="en-US" dirty="0"/>
+              <a:t>The Book and Approach</a:t>
+            </a:r>
+          </a:p>
+        </p:txBody>
+      </p:sp>
+      <p:sp>
+        <p:nvSpPr>
+          <p:cNvPr id="3" name="Content Placeholder 2">
+            <a:extLst>
+              <a:ext uri="{FF2B5EF4-FFF2-40B4-BE49-F238E27FC236}">
+                <a16:creationId xmlns:a16="http://schemas.microsoft.com/office/drawing/2014/main" id="{E36202FF-B46D-492C-BB18-D1A7D6D96BCB}"/>
+              </a:ext>
+            </a:extLst>
+          </p:cNvPr>
+          <p:cNvSpPr>
+            <a:spLocks noGrp="1"/>
+          </p:cNvSpPr>
+          <p:nvPr>
+            <p:ph idx="1"/>
+          </p:nvPr>
+        </p:nvSpPr>
+        <p:spPr>
+          <a:xfrm>
+            <a:off x="677334" y="1631092"/>
+            <a:ext cx="8596668" cy="4794421"/>
+          </a:xfrm>
+        </p:spPr>
+        <p:txBody>
+          <a:bodyPr>
+            <a:normAutofit fontScale="92500"/>
+          </a:bodyPr>
+          <a:lstStyle/>
+          <a:p>
+            <a:r>
+              <a:rPr lang="en-US" sz="2000" dirty="0"/>
+              <a:t>Early Unix developers evolved the concepts of modularity and reusability into software engineering, spawning a big "software tools" movement</a:t>
+            </a:r>
+          </a:p>
+          <a:p>
+            <a:r>
+              <a:rPr lang="en-US" sz="2000" dirty="0"/>
+              <a:t>In 1984, Rob Pike and Brian W. Kernighan published "</a:t>
+            </a:r>
+            <a:r>
+              <a:rPr lang="en-US" sz="2000" b="1" dirty="0"/>
+              <a:t>Program Design in the Unix Environment</a:t>
+            </a:r>
+            <a:r>
+              <a:rPr lang="en-US" sz="2000" dirty="0"/>
+              <a:t>" in AT&amp;T Bell Laboratories’ Technical Journal, in which they argued the Unix philosophy of building small, focused programs that do only one thing but do this thing well, communicate via stdin/</a:t>
+            </a:r>
+            <a:r>
+              <a:rPr lang="en-US" sz="2000" dirty="0" err="1"/>
+              <a:t>stdout</a:t>
+            </a:r>
+            <a:r>
+              <a:rPr lang="en-US" sz="2000" dirty="0"/>
+              <a:t> and connect through “pipes”</a:t>
+            </a:r>
+          </a:p>
+          <a:p>
+            <a:r>
+              <a:rPr lang="en-US" sz="2000" dirty="0"/>
+              <a:t>Mike </a:t>
+            </a:r>
+            <a:r>
+              <a:rPr lang="en-US" sz="2000" dirty="0" err="1"/>
+              <a:t>Gancarz</a:t>
+            </a:r>
+            <a:r>
+              <a:rPr lang="en-US" sz="2000" dirty="0"/>
+              <a:t> followed it up in 1995 with </a:t>
+            </a:r>
+            <a:r>
+              <a:rPr lang="en-US" sz="2000" b="1" dirty="0"/>
+              <a:t>“The UNIX Philosophy,” </a:t>
+            </a:r>
+            <a:r>
+              <a:rPr lang="en-US" sz="2000" dirty="0"/>
+              <a:t>emphasizing simple, short, clear, modular, and extensible code that’s easily maintained and repurposed by developers other than its creators </a:t>
+            </a:r>
+          </a:p>
+          <a:p>
+            <a:r>
+              <a:rPr lang="en-US" sz="2000" dirty="0"/>
+              <a:t>Cohesion and Decoupling; Composability as opposed to monolithic design</a:t>
+            </a:r>
+          </a:p>
+          <a:p>
+            <a:r>
+              <a:rPr lang="en-US" sz="2000" b="1" i="1" dirty="0"/>
+              <a:t>It still applies today – let’s discuss…</a:t>
+            </a:r>
+          </a:p>
+          <a:p>
+            <a:r>
+              <a:rPr lang="en-US" sz="2000" i="1" dirty="0">
+                <a:hlinkClick r:id="rId2"/>
+              </a:rPr>
+              <a:t>https://www.amazon.com/UNIX-Philosophy-Mike-Gancarz-ebook/dp/B002OL2G4Gv</a:t>
+            </a:r>
+            <a:r>
+              <a:rPr lang="en-US" sz="2000" i="1" dirty="0"/>
+              <a:t> </a:t>
+            </a:r>
+          </a:p>
+        </p:txBody>
+      </p:sp>
+    </p:spTree>
+    <p:extLst>
+      <p:ext uri="{BB962C8B-B14F-4D97-AF65-F5344CB8AC3E}">
+        <p14:creationId xmlns:p14="http://schemas.microsoft.com/office/powerpoint/2010/main" val="3236064134"/>
+      </p:ext>
+    </p:extLst>
+  </p:cSld>
+  <p:clrMapOvr>
+    <a:masterClrMapping/>
+  </p:clrMapOvr>
+</p:sld>
+</file>
+
 <file path=ppt/slides/slide5.xml><?xml version="1.0" encoding="utf-8"?>
 <p:sld xmlns:a="http://schemas.openxmlformats.org/drawingml/2006/main" xmlns:r="http://schemas.openxmlformats.org/officeDocument/2006/relationships" xmlns:p="http://schemas.openxmlformats.org/presentationml/2006/main">
   <p:cSld>
@@ -12185,7 +12190,7 @@
           <a:p>
             <a:r>
               <a:rPr lang="en-US" dirty="0"/>
-              <a:t>First, a Few Credits</a:t>
+              <a:t>First, a Few Additional Credits</a:t>
             </a:r>
           </a:p>
         </p:txBody>
@@ -14814,6 +14819,12 @@
 </file>
 
 <file path=customXml/item1.xml><?xml version="1.0" encoding="utf-8"?>
+<p:properties xmlns:p="http://schemas.microsoft.com/office/2006/metadata/properties" xmlns:xsi="http://www.w3.org/2001/XMLSchema-instance" xmlns:pc="http://schemas.microsoft.com/office/infopath/2007/PartnerControls">
+  <documentManagement/>
+</p:properties>
+</file>
+
+<file path=customXml/item2.xml><?xml version="1.0" encoding="utf-8"?>
 <ct:contentTypeSchema xmlns:ct="http://schemas.microsoft.com/office/2006/metadata/contentType" xmlns:ma="http://schemas.microsoft.com/office/2006/metadata/properties/metaAttributes" ct:_="" ma:_="" ma:contentTypeName="Document" ma:contentTypeID="0x010100999C4FC1E27B604AB083C5A2EF450DFC" ma:contentTypeVersion="0" ma:contentTypeDescription="Create a new document." ma:contentTypeScope="" ma:versionID="33e62442aba9e8183c430b9529e05696">
   <xsd:schema xmlns:xsd="http://www.w3.org/2001/XMLSchema" xmlns:xs="http://www.w3.org/2001/XMLSchema" xmlns:p="http://schemas.microsoft.com/office/2006/metadata/properties" targetNamespace="http://schemas.microsoft.com/office/2006/metadata/properties" ma:root="true" ma:fieldsID="1b05d82d297216baf5b26c55225140df">
     <xsd:element name="properties">
@@ -14927,12 +14938,6 @@
 </ct:contentTypeSchema>
 </file>
 
-<file path=customXml/item2.xml><?xml version="1.0" encoding="utf-8"?>
-<p:properties xmlns:p="http://schemas.microsoft.com/office/2006/metadata/properties" xmlns:xsi="http://www.w3.org/2001/XMLSchema-instance" xmlns:pc="http://schemas.microsoft.com/office/infopath/2007/PartnerControls">
-  <documentManagement/>
-</p:properties>
-</file>
-
 <file path=customXml/item3.xml><?xml version="1.0" encoding="utf-8"?>
 <?mso-contentType ?>
 <FormTemplates xmlns="http://schemas.microsoft.com/sharepoint/v3/contenttype/forms">
@@ -14943,6 +14948,21 @@
 </file>
 
 <file path=customXml/itemProps1.xml><?xml version="1.0" encoding="utf-8"?>
+<ds:datastoreItem xmlns:ds="http://schemas.openxmlformats.org/officeDocument/2006/customXml" ds:itemID="{1216D02C-A6EB-45B3-A6B2-3D1DF222F307}">
+  <ds:schemaRefs>
+    <ds:schemaRef ds:uri="http://schemas.microsoft.com/office/infopath/2007/PartnerControls"/>
+    <ds:schemaRef ds:uri="http://purl.org/dc/elements/1.1/"/>
+    <ds:schemaRef ds:uri="http://schemas.microsoft.com/office/2006/metadata/properties"/>
+    <ds:schemaRef ds:uri="http://schemas.microsoft.com/office/2006/documentManagement/types"/>
+    <ds:schemaRef ds:uri="http://purl.org/dc/terms/"/>
+    <ds:schemaRef ds:uri="http://schemas.openxmlformats.org/package/2006/metadata/core-properties"/>
+    <ds:schemaRef ds:uri="http://purl.org/dc/dcmitype/"/>
+    <ds:schemaRef ds:uri="http://www.w3.org/XML/1998/namespace"/>
+  </ds:schemaRefs>
+</ds:datastoreItem>
+</file>
+
+<file path=customXml/itemProps2.xml><?xml version="1.0" encoding="utf-8"?>
 <ds:datastoreItem xmlns:ds="http://schemas.openxmlformats.org/officeDocument/2006/customXml" ds:itemID="{A8ED9177-9849-439D-B4A9-EBD14F4EE18D}">
   <ds:schemaRefs>
     <ds:schemaRef ds:uri="http://schemas.microsoft.com/office/2006/metadata/contentType"/>
@@ -14958,21 +14978,6 @@
 </ds:datastoreItem>
 </file>
 
-<file path=customXml/itemProps2.xml><?xml version="1.0" encoding="utf-8"?>
-<ds:datastoreItem xmlns:ds="http://schemas.openxmlformats.org/officeDocument/2006/customXml" ds:itemID="{1216D02C-A6EB-45B3-A6B2-3D1DF222F307}">
-  <ds:schemaRefs>
-    <ds:schemaRef ds:uri="http://schemas.microsoft.com/office/infopath/2007/PartnerControls"/>
-    <ds:schemaRef ds:uri="http://purl.org/dc/elements/1.1/"/>
-    <ds:schemaRef ds:uri="http://schemas.microsoft.com/office/2006/metadata/properties"/>
-    <ds:schemaRef ds:uri="http://schemas.microsoft.com/office/2006/documentManagement/types"/>
-    <ds:schemaRef ds:uri="http://purl.org/dc/terms/"/>
-    <ds:schemaRef ds:uri="http://schemas.openxmlformats.org/package/2006/metadata/core-properties"/>
-    <ds:schemaRef ds:uri="http://purl.org/dc/dcmitype/"/>
-    <ds:schemaRef ds:uri="http://www.w3.org/XML/1998/namespace"/>
-  </ds:schemaRefs>
-</ds:datastoreItem>
-</file>
-
 <file path=customXml/itemProps3.xml><?xml version="1.0" encoding="utf-8"?>
 <ds:datastoreItem xmlns:ds="http://schemas.openxmlformats.org/officeDocument/2006/customXml" ds:itemID="{F218C08F-A677-43C3-BF8E-C9EC5ECE9826}">
   <ds:schemaRefs>
